--- a/U-Net.pptx
+++ b/U-Net.pptx
@@ -6,6 +6,13 @@
   </p:sldMasterIdLst>
   <p:sldIdLst>
     <p:sldId id="256" r:id="rId2"/>
+    <p:sldId id="257" r:id="rId3"/>
+    <p:sldId id="258" r:id="rId4"/>
+    <p:sldId id="259" r:id="rId5"/>
+    <p:sldId id="260" r:id="rId6"/>
+    <p:sldId id="261" r:id="rId7"/>
+    <p:sldId id="262" r:id="rId8"/>
+    <p:sldId id="263" r:id="rId9"/>
   </p:sldIdLst>
   <p:sldSz cx="12192000" cy="6858000"/>
   <p:notesSz cx="6858000" cy="9144000"/>
@@ -104,6 +111,11 @@
       </a:defRPr>
     </a:lvl9pPr>
   </p:defaultTextStyle>
+  <p:extLst>
+    <p:ext uri="{EFAFB233-063F-42B5-8137-9DF3F51BA10A}">
+      <p15:sldGuideLst xmlns:p15="http://schemas.microsoft.com/office/powerpoint/2012/main"/>
+    </p:ext>
+  </p:extLst>
 </p:presentation>
 </file>
 
@@ -3004,7 +3016,57 @@
           <a:bodyPr/>
           <a:lstStyle/>
           <a:p>
-            <a:endParaRPr lang="ko-KR" altLang="en-US"/>
+            <a:pPr lvl="0">
+              <a:buClr>
+                <a:schemeClr val="dk1"/>
+              </a:buClr>
+              <a:buSzPts val="2400"/>
+            </a:pPr>
+            <a:endParaRPr lang="en-US" altLang="ko-KR" dirty="0" smtClean="0"/>
+          </a:p>
+          <a:p>
+            <a:pPr lvl="0">
+              <a:buClr>
+                <a:schemeClr val="dk1"/>
+              </a:buClr>
+              <a:buSzPts val="2400"/>
+            </a:pPr>
+            <a:r>
+              <a:rPr lang="en-US" altLang="ko-KR" dirty="0" err="1" smtClean="0"/>
+              <a:t>Ajou</a:t>
+            </a:r>
+            <a:r>
+              <a:rPr lang="en-US" altLang="ko-KR" dirty="0" smtClean="0"/>
+              <a:t> </a:t>
+            </a:r>
+            <a:r>
+              <a:rPr lang="en-US" altLang="ko-KR" dirty="0"/>
+              <a:t>Univ. software dep. 201920723 </a:t>
+            </a:r>
+            <a:r>
+              <a:rPr lang="ko-KR" altLang="en-US" dirty="0"/>
+              <a:t>김동욱</a:t>
+            </a:r>
+          </a:p>
+          <a:p>
+            <a:pPr lvl="0">
+              <a:buClr>
+                <a:schemeClr val="dk1"/>
+              </a:buClr>
+              <a:buSzPts val="2400"/>
+            </a:pPr>
+            <a:r>
+              <a:rPr lang="en-US" altLang="ko-KR" dirty="0"/>
+              <a:t>Kim Dong </a:t>
+            </a:r>
+            <a:r>
+              <a:rPr lang="en-US" altLang="ko-KR" dirty="0" err="1"/>
+              <a:t>Wook</a:t>
+            </a:r>
+            <a:endParaRPr lang="en-US" altLang="ko-KR" dirty="0"/>
+          </a:p>
+          <a:p>
+            <a:endParaRPr lang="ko-KR" altLang="en-US" dirty="0"/>
           </a:p>
         </p:txBody>
       </p:sp>
@@ -3012,6 +3074,791 @@
     <p:extLst>
       <p:ext uri="{BB962C8B-B14F-4D97-AF65-F5344CB8AC3E}">
         <p14:creationId xmlns:p14="http://schemas.microsoft.com/office/powerpoint/2010/main" val="1607945748"/>
+      </p:ext>
+    </p:extLst>
+  </p:cSld>
+  <p:clrMapOvr>
+    <a:masterClrMapping/>
+  </p:clrMapOvr>
+  <p:timing>
+    <p:tnLst>
+      <p:par>
+        <p:cTn id="1" dur="indefinite" restart="never" nodeType="tmRoot"/>
+      </p:par>
+    </p:tnLst>
+  </p:timing>
+</p:sld>
+</file>
+
+<file path=ppt/slides/slide2.xml><?xml version="1.0" encoding="utf-8"?>
+<p:sld xmlns:a="http://schemas.openxmlformats.org/drawingml/2006/main" xmlns:r="http://schemas.openxmlformats.org/officeDocument/2006/relationships" xmlns:p="http://schemas.openxmlformats.org/presentationml/2006/main">
+  <p:cSld>
+    <p:spTree>
+      <p:nvGrpSpPr>
+        <p:cNvPr id="1" name=""/>
+        <p:cNvGrpSpPr/>
+        <p:nvPr/>
+      </p:nvGrpSpPr>
+      <p:grpSpPr>
+        <a:xfrm>
+          <a:off x="0" y="0"/>
+          <a:ext cx="0" cy="0"/>
+          <a:chOff x="0" y="0"/>
+          <a:chExt cx="0" cy="0"/>
+        </a:xfrm>
+      </p:grpSpPr>
+      <p:sp>
+        <p:nvSpPr>
+          <p:cNvPr id="2" name="제목 1"/>
+          <p:cNvSpPr>
+            <a:spLocks noGrp="1"/>
+          </p:cNvSpPr>
+          <p:nvPr>
+            <p:ph type="title"/>
+          </p:nvPr>
+        </p:nvSpPr>
+        <p:spPr/>
+        <p:txBody>
+          <a:bodyPr/>
+          <a:lstStyle/>
+          <a:p>
+            <a:r>
+              <a:rPr lang="en-US" altLang="ko-KR" dirty="0" smtClean="0"/>
+              <a:t>Why U?</a:t>
+            </a:r>
+            <a:endParaRPr lang="ko-KR" altLang="en-US" dirty="0"/>
+          </a:p>
+        </p:txBody>
+      </p:sp>
+      <p:sp>
+        <p:nvSpPr>
+          <p:cNvPr id="3" name="내용 개체 틀 2"/>
+          <p:cNvSpPr>
+            <a:spLocks noGrp="1"/>
+          </p:cNvSpPr>
+          <p:nvPr>
+            <p:ph idx="1"/>
+          </p:nvPr>
+        </p:nvSpPr>
+        <p:spPr/>
+        <p:txBody>
+          <a:bodyPr/>
+          <a:lstStyle/>
+          <a:p>
+            <a:pPr marL="0" indent="0">
+              <a:buNone/>
+            </a:pPr>
+            <a:endParaRPr lang="ko-KR" altLang="en-US" dirty="0"/>
+          </a:p>
+        </p:txBody>
+      </p:sp>
+      <p:pic>
+        <p:nvPicPr>
+          <p:cNvPr id="4" name="그림 3"/>
+          <p:cNvPicPr>
+            <a:picLocks noChangeAspect="1"/>
+          </p:cNvPicPr>
+          <p:nvPr/>
+        </p:nvPicPr>
+        <p:blipFill>
+          <a:blip r:embed="rId2"/>
+          <a:stretch>
+            <a:fillRect/>
+          </a:stretch>
+        </p:blipFill>
+        <p:spPr>
+          <a:xfrm>
+            <a:off x="2389230" y="1574242"/>
+            <a:ext cx="7413539" cy="4854103"/>
+          </a:xfrm>
+          <a:prstGeom prst="rect">
+            <a:avLst/>
+          </a:prstGeom>
+        </p:spPr>
+      </p:pic>
+    </p:spTree>
+    <p:extLst>
+      <p:ext uri="{BB962C8B-B14F-4D97-AF65-F5344CB8AC3E}">
+        <p14:creationId xmlns:p14="http://schemas.microsoft.com/office/powerpoint/2010/main" val="902908181"/>
+      </p:ext>
+    </p:extLst>
+  </p:cSld>
+  <p:clrMapOvr>
+    <a:masterClrMapping/>
+  </p:clrMapOvr>
+  <p:timing>
+    <p:tnLst>
+      <p:par>
+        <p:cTn id="1" dur="indefinite" restart="never" nodeType="tmRoot"/>
+      </p:par>
+    </p:tnLst>
+  </p:timing>
+</p:sld>
+</file>
+
+<file path=ppt/slides/slide3.xml><?xml version="1.0" encoding="utf-8"?>
+<p:sld xmlns:a="http://schemas.openxmlformats.org/drawingml/2006/main" xmlns:r="http://schemas.openxmlformats.org/officeDocument/2006/relationships" xmlns:p="http://schemas.openxmlformats.org/presentationml/2006/main">
+  <p:cSld>
+    <p:spTree>
+      <p:nvGrpSpPr>
+        <p:cNvPr id="1" name=""/>
+        <p:cNvGrpSpPr/>
+        <p:nvPr/>
+      </p:nvGrpSpPr>
+      <p:grpSpPr>
+        <a:xfrm>
+          <a:off x="0" y="0"/>
+          <a:ext cx="0" cy="0"/>
+          <a:chOff x="0" y="0"/>
+          <a:chExt cx="0" cy="0"/>
+        </a:xfrm>
+      </p:grpSpPr>
+      <p:sp>
+        <p:nvSpPr>
+          <p:cNvPr id="2" name="제목 1"/>
+          <p:cNvSpPr>
+            <a:spLocks noGrp="1"/>
+          </p:cNvSpPr>
+          <p:nvPr>
+            <p:ph type="title"/>
+          </p:nvPr>
+        </p:nvSpPr>
+        <p:spPr/>
+        <p:txBody>
+          <a:bodyPr/>
+          <a:lstStyle/>
+          <a:p>
+            <a:r>
+              <a:rPr lang="en-US" altLang="ko-KR" dirty="0" smtClean="0"/>
+              <a:t>Network Architecture – contracting path</a:t>
+            </a:r>
+            <a:endParaRPr lang="ko-KR" altLang="en-US" dirty="0"/>
+          </a:p>
+        </p:txBody>
+      </p:sp>
+      <p:sp>
+        <p:nvSpPr>
+          <p:cNvPr id="5" name="내용 개체 틀 4"/>
+          <p:cNvSpPr>
+            <a:spLocks noGrp="1"/>
+          </p:cNvSpPr>
+          <p:nvPr>
+            <p:ph idx="1"/>
+          </p:nvPr>
+        </p:nvSpPr>
+        <p:spPr/>
+        <p:txBody>
+          <a:bodyPr/>
+          <a:lstStyle/>
+          <a:p>
+            <a:r>
+              <a:rPr lang="en-US" altLang="ko-KR" dirty="0" smtClean="0"/>
+              <a:t>For detail context</a:t>
+            </a:r>
+          </a:p>
+          <a:p>
+            <a:r>
+              <a:rPr lang="en-US" altLang="ko-KR" dirty="0" smtClean="0"/>
+              <a:t>No padding, 3x3 </a:t>
+            </a:r>
+            <a:r>
+              <a:rPr lang="en-US" altLang="ko-KR" dirty="0" err="1" smtClean="0"/>
+              <a:t>conv</a:t>
+            </a:r>
+            <a:r>
+              <a:rPr lang="en-US" altLang="ko-KR" dirty="0" smtClean="0"/>
+              <a:t> 2 times, </a:t>
+            </a:r>
+            <a:r>
+              <a:rPr lang="en-US" altLang="ko-KR" dirty="0" err="1" smtClean="0"/>
+              <a:t>ReLU</a:t>
+            </a:r>
+            <a:endParaRPr lang="en-US" altLang="ko-KR" dirty="0" smtClean="0"/>
+          </a:p>
+          <a:p>
+            <a:r>
+              <a:rPr lang="en-US" altLang="ko-KR" dirty="0" smtClean="0"/>
+              <a:t>Double channel, halve size(MP, s=2)</a:t>
+            </a:r>
+          </a:p>
+        </p:txBody>
+      </p:sp>
+      <p:pic>
+        <p:nvPicPr>
+          <p:cNvPr id="7" name="그림 6"/>
+          <p:cNvPicPr>
+            <a:picLocks noChangeAspect="1"/>
+          </p:cNvPicPr>
+          <p:nvPr/>
+        </p:nvPicPr>
+        <p:blipFill>
+          <a:blip r:embed="rId2"/>
+          <a:stretch>
+            <a:fillRect/>
+          </a:stretch>
+        </p:blipFill>
+        <p:spPr>
+          <a:xfrm>
+            <a:off x="7203995" y="1376307"/>
+            <a:ext cx="4550890" cy="5249973"/>
+          </a:xfrm>
+          <a:prstGeom prst="rect">
+            <a:avLst/>
+          </a:prstGeom>
+        </p:spPr>
+      </p:pic>
+    </p:spTree>
+    <p:extLst>
+      <p:ext uri="{BB962C8B-B14F-4D97-AF65-F5344CB8AC3E}">
+        <p14:creationId xmlns:p14="http://schemas.microsoft.com/office/powerpoint/2010/main" val="1164329995"/>
+      </p:ext>
+    </p:extLst>
+  </p:cSld>
+  <p:clrMapOvr>
+    <a:masterClrMapping/>
+  </p:clrMapOvr>
+</p:sld>
+</file>
+
+<file path=ppt/slides/slide4.xml><?xml version="1.0" encoding="utf-8"?>
+<p:sld xmlns:a="http://schemas.openxmlformats.org/drawingml/2006/main" xmlns:r="http://schemas.openxmlformats.org/officeDocument/2006/relationships" xmlns:p="http://schemas.openxmlformats.org/presentationml/2006/main">
+  <p:cSld>
+    <p:spTree>
+      <p:nvGrpSpPr>
+        <p:cNvPr id="1" name=""/>
+        <p:cNvGrpSpPr/>
+        <p:nvPr/>
+      </p:nvGrpSpPr>
+      <p:grpSpPr>
+        <a:xfrm>
+          <a:off x="0" y="0"/>
+          <a:ext cx="0" cy="0"/>
+          <a:chOff x="0" y="0"/>
+          <a:chExt cx="0" cy="0"/>
+        </a:xfrm>
+      </p:grpSpPr>
+      <p:sp>
+        <p:nvSpPr>
+          <p:cNvPr id="2" name="제목 1"/>
+          <p:cNvSpPr>
+            <a:spLocks noGrp="1"/>
+          </p:cNvSpPr>
+          <p:nvPr>
+            <p:ph type="title"/>
+          </p:nvPr>
+        </p:nvSpPr>
+        <p:spPr/>
+        <p:txBody>
+          <a:bodyPr/>
+          <a:lstStyle/>
+          <a:p>
+            <a:r>
+              <a:rPr lang="en-US" altLang="ko-KR" dirty="0"/>
+              <a:t>Network Architecture – </a:t>
+            </a:r>
+            <a:r>
+              <a:rPr lang="en-US" altLang="ko-KR" dirty="0" smtClean="0"/>
+              <a:t>expanding </a:t>
+            </a:r>
+            <a:r>
+              <a:rPr lang="en-US" altLang="ko-KR" dirty="0"/>
+              <a:t>path</a:t>
+            </a:r>
+            <a:endParaRPr lang="ko-KR" altLang="en-US" dirty="0"/>
+          </a:p>
+        </p:txBody>
+      </p:sp>
+      <p:sp>
+        <p:nvSpPr>
+          <p:cNvPr id="3" name="내용 개체 틀 2"/>
+          <p:cNvSpPr>
+            <a:spLocks noGrp="1"/>
+          </p:cNvSpPr>
+          <p:nvPr>
+            <p:ph idx="1"/>
+          </p:nvPr>
+        </p:nvSpPr>
+        <p:spPr/>
+        <p:txBody>
+          <a:bodyPr/>
+          <a:lstStyle/>
+          <a:p>
+            <a:r>
+              <a:rPr lang="en-US" altLang="ko-KR" dirty="0" smtClean="0"/>
+              <a:t>For localization info, dense prediction</a:t>
+            </a:r>
+          </a:p>
+          <a:p>
+            <a:r>
+              <a:rPr lang="en-US" altLang="ko-KR" dirty="0" smtClean="0"/>
+              <a:t>No padding, 3x3 </a:t>
+            </a:r>
+            <a:r>
+              <a:rPr lang="en-US" altLang="ko-KR" dirty="0" err="1" smtClean="0"/>
+              <a:t>conv</a:t>
+            </a:r>
+            <a:r>
+              <a:rPr lang="en-US" altLang="ko-KR" dirty="0" smtClean="0"/>
+              <a:t> 2 times, </a:t>
+            </a:r>
+            <a:r>
+              <a:rPr lang="en-US" altLang="ko-KR" dirty="0" err="1" smtClean="0"/>
+              <a:t>ReLU</a:t>
+            </a:r>
+            <a:endParaRPr lang="en-US" altLang="ko-KR" dirty="0" smtClean="0"/>
+          </a:p>
+          <a:p>
+            <a:r>
+              <a:rPr lang="en-US" altLang="ko-KR" dirty="0" smtClean="0"/>
+              <a:t>Halve channel,  double size(2x2 up </a:t>
+            </a:r>
+            <a:r>
+              <a:rPr lang="en-US" altLang="ko-KR" dirty="0" err="1" smtClean="0"/>
+              <a:t>conv</a:t>
+            </a:r>
+            <a:r>
+              <a:rPr lang="en-US" altLang="ko-KR" dirty="0" smtClean="0"/>
+              <a:t>)</a:t>
+            </a:r>
+          </a:p>
+          <a:p>
+            <a:r>
+              <a:rPr lang="en-US" altLang="ko-KR" dirty="0" smtClean="0"/>
+              <a:t>Concatenate up-</a:t>
+            </a:r>
+            <a:r>
+              <a:rPr lang="en-US" altLang="ko-KR" dirty="0" err="1" smtClean="0"/>
+              <a:t>conved</a:t>
+            </a:r>
+            <a:r>
+              <a:rPr lang="en-US" altLang="ko-KR" dirty="0" smtClean="0"/>
+              <a:t> feature map with </a:t>
+            </a:r>
+          </a:p>
+          <a:p>
+            <a:pPr marL="0" indent="0">
+              <a:buNone/>
+            </a:pPr>
+            <a:r>
+              <a:rPr lang="en-US" altLang="ko-KR" dirty="0"/>
+              <a:t> </a:t>
+            </a:r>
+            <a:r>
+              <a:rPr lang="en-US" altLang="ko-KR" dirty="0" smtClean="0"/>
+              <a:t>cropped contracting path’s feature map</a:t>
+            </a:r>
+          </a:p>
+          <a:p>
+            <a:r>
+              <a:rPr lang="en-US" altLang="ko-KR" dirty="0" smtClean="0"/>
+              <a:t>1x1 </a:t>
+            </a:r>
+            <a:r>
+              <a:rPr lang="en-US" altLang="ko-KR" dirty="0" err="1" smtClean="0"/>
+              <a:t>conv</a:t>
+            </a:r>
+            <a:r>
+              <a:rPr lang="en-US" altLang="ko-KR" dirty="0" smtClean="0"/>
+              <a:t> at last layer</a:t>
+            </a:r>
+          </a:p>
+        </p:txBody>
+      </p:sp>
+      <p:pic>
+        <p:nvPicPr>
+          <p:cNvPr id="4" name="그림 3"/>
+          <p:cNvPicPr>
+            <a:picLocks noChangeAspect="1"/>
+          </p:cNvPicPr>
+          <p:nvPr/>
+        </p:nvPicPr>
+        <p:blipFill>
+          <a:blip r:embed="rId2"/>
+          <a:stretch>
+            <a:fillRect/>
+          </a:stretch>
+        </p:blipFill>
+        <p:spPr>
+          <a:xfrm>
+            <a:off x="7931099" y="1825625"/>
+            <a:ext cx="4310329" cy="4773805"/>
+          </a:xfrm>
+          <a:prstGeom prst="rect">
+            <a:avLst/>
+          </a:prstGeom>
+        </p:spPr>
+      </p:pic>
+    </p:spTree>
+    <p:extLst>
+      <p:ext uri="{BB962C8B-B14F-4D97-AF65-F5344CB8AC3E}">
+        <p14:creationId xmlns:p14="http://schemas.microsoft.com/office/powerpoint/2010/main" val="802661075"/>
+      </p:ext>
+    </p:extLst>
+  </p:cSld>
+  <p:clrMapOvr>
+    <a:masterClrMapping/>
+  </p:clrMapOvr>
+</p:sld>
+</file>
+
+<file path=ppt/slides/slide5.xml><?xml version="1.0" encoding="utf-8"?>
+<p:sld xmlns:a="http://schemas.openxmlformats.org/drawingml/2006/main" xmlns:r="http://schemas.openxmlformats.org/officeDocument/2006/relationships" xmlns:p="http://schemas.openxmlformats.org/presentationml/2006/main">
+  <p:cSld>
+    <p:spTree>
+      <p:nvGrpSpPr>
+        <p:cNvPr id="1" name=""/>
+        <p:cNvGrpSpPr/>
+        <p:nvPr/>
+      </p:nvGrpSpPr>
+      <p:grpSpPr>
+        <a:xfrm>
+          <a:off x="0" y="0"/>
+          <a:ext cx="0" cy="0"/>
+          <a:chOff x="0" y="0"/>
+          <a:chExt cx="0" cy="0"/>
+        </a:xfrm>
+      </p:grpSpPr>
+      <p:sp>
+        <p:nvSpPr>
+          <p:cNvPr id="2" name="제목 1"/>
+          <p:cNvSpPr>
+            <a:spLocks noGrp="1"/>
+          </p:cNvSpPr>
+          <p:nvPr>
+            <p:ph type="title"/>
+          </p:nvPr>
+        </p:nvSpPr>
+        <p:spPr/>
+        <p:txBody>
+          <a:bodyPr/>
+          <a:lstStyle/>
+          <a:p>
+            <a:r>
+              <a:rPr lang="en-US" altLang="ko-KR" dirty="0" smtClean="0"/>
+              <a:t>Overlap-Tile Strategy</a:t>
+            </a:r>
+            <a:endParaRPr lang="ko-KR" altLang="en-US" dirty="0"/>
+          </a:p>
+        </p:txBody>
+      </p:sp>
+      <p:sp>
+        <p:nvSpPr>
+          <p:cNvPr id="3" name="내용 개체 틀 2"/>
+          <p:cNvSpPr>
+            <a:spLocks noGrp="1"/>
+          </p:cNvSpPr>
+          <p:nvPr>
+            <p:ph idx="1"/>
+          </p:nvPr>
+        </p:nvSpPr>
+        <p:spPr/>
+        <p:txBody>
+          <a:bodyPr/>
+          <a:lstStyle/>
+          <a:p>
+            <a:endParaRPr lang="ko-KR" altLang="en-US" dirty="0"/>
+          </a:p>
+        </p:txBody>
+      </p:sp>
+      <p:pic>
+        <p:nvPicPr>
+          <p:cNvPr id="4" name="그림 3"/>
+          <p:cNvPicPr>
+            <a:picLocks noChangeAspect="1"/>
+          </p:cNvPicPr>
+          <p:nvPr/>
+        </p:nvPicPr>
+        <p:blipFill>
+          <a:blip r:embed="rId2"/>
+          <a:stretch>
+            <a:fillRect/>
+          </a:stretch>
+        </p:blipFill>
+        <p:spPr>
+          <a:xfrm>
+            <a:off x="2654836" y="1512305"/>
+            <a:ext cx="6605523" cy="2195949"/>
+          </a:xfrm>
+          <a:prstGeom prst="rect">
+            <a:avLst/>
+          </a:prstGeom>
+        </p:spPr>
+      </p:pic>
+      <p:pic>
+        <p:nvPicPr>
+          <p:cNvPr id="5" name="그림 4"/>
+          <p:cNvPicPr>
+            <a:picLocks noChangeAspect="1"/>
+          </p:cNvPicPr>
+          <p:nvPr/>
+        </p:nvPicPr>
+        <p:blipFill>
+          <a:blip r:embed="rId3"/>
+          <a:stretch>
+            <a:fillRect/>
+          </a:stretch>
+        </p:blipFill>
+        <p:spPr>
+          <a:xfrm>
+            <a:off x="3163330" y="3708252"/>
+            <a:ext cx="5588537" cy="2782031"/>
+          </a:xfrm>
+          <a:prstGeom prst="rect">
+            <a:avLst/>
+          </a:prstGeom>
+        </p:spPr>
+      </p:pic>
+    </p:spTree>
+    <p:extLst>
+      <p:ext uri="{BB962C8B-B14F-4D97-AF65-F5344CB8AC3E}">
+        <p14:creationId xmlns:p14="http://schemas.microsoft.com/office/powerpoint/2010/main" val="3029718302"/>
+      </p:ext>
+    </p:extLst>
+  </p:cSld>
+  <p:clrMapOvr>
+    <a:masterClrMapping/>
+  </p:clrMapOvr>
+</p:sld>
+</file>
+
+<file path=ppt/slides/slide6.xml><?xml version="1.0" encoding="utf-8"?>
+<p:sld xmlns:a="http://schemas.openxmlformats.org/drawingml/2006/main" xmlns:r="http://schemas.openxmlformats.org/officeDocument/2006/relationships" xmlns:p="http://schemas.openxmlformats.org/presentationml/2006/main">
+  <p:cSld>
+    <p:spTree>
+      <p:nvGrpSpPr>
+        <p:cNvPr id="1" name=""/>
+        <p:cNvGrpSpPr/>
+        <p:nvPr/>
+      </p:nvGrpSpPr>
+      <p:grpSpPr>
+        <a:xfrm>
+          <a:off x="0" y="0"/>
+          <a:ext cx="0" cy="0"/>
+          <a:chOff x="0" y="0"/>
+          <a:chExt cx="0" cy="0"/>
+        </a:xfrm>
+      </p:grpSpPr>
+      <p:sp>
+        <p:nvSpPr>
+          <p:cNvPr id="2" name="제목 1"/>
+          <p:cNvSpPr>
+            <a:spLocks noGrp="1"/>
+          </p:cNvSpPr>
+          <p:nvPr>
+            <p:ph type="title"/>
+          </p:nvPr>
+        </p:nvSpPr>
+        <p:spPr/>
+        <p:txBody>
+          <a:bodyPr/>
+          <a:lstStyle/>
+          <a:p>
+            <a:r>
+              <a:rPr lang="en-US" altLang="ko-KR" dirty="0"/>
+              <a:t>Overlap-Tile Strategy</a:t>
+            </a:r>
+            <a:endParaRPr lang="ko-KR" altLang="en-US" dirty="0"/>
+          </a:p>
+        </p:txBody>
+      </p:sp>
+      <p:sp>
+        <p:nvSpPr>
+          <p:cNvPr id="5" name="내용 개체 틀 4"/>
+          <p:cNvSpPr>
+            <a:spLocks noGrp="1"/>
+          </p:cNvSpPr>
+          <p:nvPr>
+            <p:ph idx="1"/>
+          </p:nvPr>
+        </p:nvSpPr>
+        <p:spPr/>
+        <p:txBody>
+          <a:bodyPr/>
+          <a:lstStyle/>
+          <a:p>
+            <a:r>
+              <a:rPr lang="en-US" altLang="ko-KR" dirty="0" smtClean="0"/>
+              <a:t>Mirroring extrapolation used(no padding)</a:t>
+            </a:r>
+            <a:endParaRPr lang="ko-KR" altLang="en-US" dirty="0"/>
+          </a:p>
+        </p:txBody>
+      </p:sp>
+      <p:pic>
+        <p:nvPicPr>
+          <p:cNvPr id="6" name="내용 개체 틀 3"/>
+          <p:cNvPicPr>
+            <a:picLocks noChangeAspect="1"/>
+          </p:cNvPicPr>
+          <p:nvPr/>
+        </p:nvPicPr>
+        <p:blipFill>
+          <a:blip r:embed="rId2"/>
+          <a:stretch>
+            <a:fillRect/>
+          </a:stretch>
+        </p:blipFill>
+        <p:spPr>
+          <a:xfrm>
+            <a:off x="2028825" y="2463800"/>
+            <a:ext cx="8134350" cy="3848100"/>
+          </a:xfrm>
+          <a:prstGeom prst="rect">
+            <a:avLst/>
+          </a:prstGeom>
+        </p:spPr>
+      </p:pic>
+    </p:spTree>
+    <p:extLst>
+      <p:ext uri="{BB962C8B-B14F-4D97-AF65-F5344CB8AC3E}">
+        <p14:creationId xmlns:p14="http://schemas.microsoft.com/office/powerpoint/2010/main" val="371041857"/>
+      </p:ext>
+    </p:extLst>
+  </p:cSld>
+  <p:clrMapOvr>
+    <a:masterClrMapping/>
+  </p:clrMapOvr>
+</p:sld>
+</file>
+
+<file path=ppt/slides/slide7.xml><?xml version="1.0" encoding="utf-8"?>
+<p:sld xmlns:a="http://schemas.openxmlformats.org/drawingml/2006/main" xmlns:r="http://schemas.openxmlformats.org/officeDocument/2006/relationships" xmlns:p="http://schemas.openxmlformats.org/presentationml/2006/main">
+  <p:cSld>
+    <p:spTree>
+      <p:nvGrpSpPr>
+        <p:cNvPr id="1" name=""/>
+        <p:cNvGrpSpPr/>
+        <p:nvPr/>
+      </p:nvGrpSpPr>
+      <p:grpSpPr>
+        <a:xfrm>
+          <a:off x="0" y="0"/>
+          <a:ext cx="0" cy="0"/>
+          <a:chOff x="0" y="0"/>
+          <a:chExt cx="0" cy="0"/>
+        </a:xfrm>
+      </p:grpSpPr>
+      <p:sp>
+        <p:nvSpPr>
+          <p:cNvPr id="2" name="제목 1"/>
+          <p:cNvSpPr>
+            <a:spLocks noGrp="1"/>
+          </p:cNvSpPr>
+          <p:nvPr>
+            <p:ph type="title"/>
+          </p:nvPr>
+        </p:nvSpPr>
+        <p:spPr/>
+        <p:txBody>
+          <a:bodyPr/>
+          <a:lstStyle/>
+          <a:p>
+            <a:r>
+              <a:rPr lang="en-US" altLang="ko-KR" dirty="0" smtClean="0"/>
+              <a:t>Touching cells problem</a:t>
+            </a:r>
+            <a:endParaRPr lang="ko-KR" altLang="en-US" dirty="0"/>
+          </a:p>
+        </p:txBody>
+      </p:sp>
+      <p:pic>
+        <p:nvPicPr>
+          <p:cNvPr id="4" name="내용 개체 틀 3"/>
+          <p:cNvPicPr>
+            <a:picLocks noGrp="1" noChangeAspect="1"/>
+          </p:cNvPicPr>
+          <p:nvPr>
+            <p:ph idx="1"/>
+          </p:nvPr>
+        </p:nvPicPr>
+        <p:blipFill>
+          <a:blip r:embed="rId2"/>
+          <a:stretch>
+            <a:fillRect/>
+          </a:stretch>
+        </p:blipFill>
+        <p:spPr>
+          <a:xfrm>
+            <a:off x="893313" y="1825625"/>
+            <a:ext cx="10405373" cy="4351338"/>
+          </a:xfrm>
+          <a:prstGeom prst="rect">
+            <a:avLst/>
+          </a:prstGeom>
+        </p:spPr>
+      </p:pic>
+    </p:spTree>
+    <p:extLst>
+      <p:ext uri="{BB962C8B-B14F-4D97-AF65-F5344CB8AC3E}">
+        <p14:creationId xmlns:p14="http://schemas.microsoft.com/office/powerpoint/2010/main" val="237438841"/>
+      </p:ext>
+    </p:extLst>
+  </p:cSld>
+  <p:clrMapOvr>
+    <a:masterClrMapping/>
+  </p:clrMapOvr>
+</p:sld>
+</file>
+
+<file path=ppt/slides/slide8.xml><?xml version="1.0" encoding="utf-8"?>
+<p:sld xmlns:a="http://schemas.openxmlformats.org/drawingml/2006/main" xmlns:r="http://schemas.openxmlformats.org/officeDocument/2006/relationships" xmlns:p="http://schemas.openxmlformats.org/presentationml/2006/main">
+  <p:cSld>
+    <p:spTree>
+      <p:nvGrpSpPr>
+        <p:cNvPr id="1" name=""/>
+        <p:cNvGrpSpPr/>
+        <p:nvPr/>
+      </p:nvGrpSpPr>
+      <p:grpSpPr>
+        <a:xfrm>
+          <a:off x="0" y="0"/>
+          <a:ext cx="0" cy="0"/>
+          <a:chOff x="0" y="0"/>
+          <a:chExt cx="0" cy="0"/>
+        </a:xfrm>
+      </p:grpSpPr>
+      <p:sp>
+        <p:nvSpPr>
+          <p:cNvPr id="2" name="제목 1"/>
+          <p:cNvSpPr>
+            <a:spLocks noGrp="1"/>
+          </p:cNvSpPr>
+          <p:nvPr>
+            <p:ph type="title"/>
+          </p:nvPr>
+        </p:nvSpPr>
+        <p:spPr/>
+        <p:txBody>
+          <a:bodyPr/>
+          <a:lstStyle/>
+          <a:p>
+            <a:endParaRPr lang="ko-KR" altLang="en-US"/>
+          </a:p>
+        </p:txBody>
+      </p:sp>
+      <p:sp>
+        <p:nvSpPr>
+          <p:cNvPr id="3" name="내용 개체 틀 2"/>
+          <p:cNvSpPr>
+            <a:spLocks noGrp="1"/>
+          </p:cNvSpPr>
+          <p:nvPr>
+            <p:ph idx="1"/>
+          </p:nvPr>
+        </p:nvSpPr>
+        <p:spPr/>
+        <p:txBody>
+          <a:bodyPr/>
+          <a:lstStyle/>
+          <a:p>
+            <a:endParaRPr lang="ko-KR" altLang="en-US"/>
+          </a:p>
+        </p:txBody>
+      </p:sp>
+    </p:spTree>
+    <p:extLst>
+      <p:ext uri="{BB962C8B-B14F-4D97-AF65-F5344CB8AC3E}">
+        <p14:creationId xmlns:p14="http://schemas.microsoft.com/office/powerpoint/2010/main" val="676071803"/>
       </p:ext>
     </p:extLst>
   </p:cSld>

--- a/U-Net.pptx
+++ b/U-Net.pptx
@@ -12,7 +12,8 @@
     <p:sldId id="260" r:id="rId6"/>
     <p:sldId id="261" r:id="rId7"/>
     <p:sldId id="262" r:id="rId8"/>
-    <p:sldId id="263" r:id="rId9"/>
+    <p:sldId id="264" r:id="rId9"/>
+    <p:sldId id="263" r:id="rId10"/>
   </p:sldIdLst>
   <p:sldSz cx="12192000" cy="6858000"/>
   <p:notesSz cx="6858000" cy="9144000"/>
@@ -250,7 +251,7 @@
           <a:p>
             <a:fld id="{F8F8E95E-22D1-41CF-B6CF-3B1BAD5C5290}" type="datetimeFigureOut">
               <a:rPr lang="ko-KR" altLang="en-US" smtClean="0"/>
-              <a:t>2021-01-27</a:t>
+              <a:t>2021-01-28</a:t>
             </a:fld>
             <a:endParaRPr lang="ko-KR" altLang="en-US"/>
           </a:p>
@@ -420,7 +421,7 @@
           <a:p>
             <a:fld id="{F8F8E95E-22D1-41CF-B6CF-3B1BAD5C5290}" type="datetimeFigureOut">
               <a:rPr lang="ko-KR" altLang="en-US" smtClean="0"/>
-              <a:t>2021-01-27</a:t>
+              <a:t>2021-01-28</a:t>
             </a:fld>
             <a:endParaRPr lang="ko-KR" altLang="en-US"/>
           </a:p>
@@ -600,7 +601,7 @@
           <a:p>
             <a:fld id="{F8F8E95E-22D1-41CF-B6CF-3B1BAD5C5290}" type="datetimeFigureOut">
               <a:rPr lang="ko-KR" altLang="en-US" smtClean="0"/>
-              <a:t>2021-01-27</a:t>
+              <a:t>2021-01-28</a:t>
             </a:fld>
             <a:endParaRPr lang="ko-KR" altLang="en-US"/>
           </a:p>
@@ -770,7 +771,7 @@
           <a:p>
             <a:fld id="{F8F8E95E-22D1-41CF-B6CF-3B1BAD5C5290}" type="datetimeFigureOut">
               <a:rPr lang="ko-KR" altLang="en-US" smtClean="0"/>
-              <a:t>2021-01-27</a:t>
+              <a:t>2021-01-28</a:t>
             </a:fld>
             <a:endParaRPr lang="ko-KR" altLang="en-US"/>
           </a:p>
@@ -1016,7 +1017,7 @@
           <a:p>
             <a:fld id="{F8F8E95E-22D1-41CF-B6CF-3B1BAD5C5290}" type="datetimeFigureOut">
               <a:rPr lang="ko-KR" altLang="en-US" smtClean="0"/>
-              <a:t>2021-01-27</a:t>
+              <a:t>2021-01-28</a:t>
             </a:fld>
             <a:endParaRPr lang="ko-KR" altLang="en-US"/>
           </a:p>
@@ -1248,7 +1249,7 @@
           <a:p>
             <a:fld id="{F8F8E95E-22D1-41CF-B6CF-3B1BAD5C5290}" type="datetimeFigureOut">
               <a:rPr lang="ko-KR" altLang="en-US" smtClean="0"/>
-              <a:t>2021-01-27</a:t>
+              <a:t>2021-01-28</a:t>
             </a:fld>
             <a:endParaRPr lang="ko-KR" altLang="en-US"/>
           </a:p>
@@ -1615,7 +1616,7 @@
           <a:p>
             <a:fld id="{F8F8E95E-22D1-41CF-B6CF-3B1BAD5C5290}" type="datetimeFigureOut">
               <a:rPr lang="ko-KR" altLang="en-US" smtClean="0"/>
-              <a:t>2021-01-27</a:t>
+              <a:t>2021-01-28</a:t>
             </a:fld>
             <a:endParaRPr lang="ko-KR" altLang="en-US"/>
           </a:p>
@@ -1733,7 +1734,7 @@
           <a:p>
             <a:fld id="{F8F8E95E-22D1-41CF-B6CF-3B1BAD5C5290}" type="datetimeFigureOut">
               <a:rPr lang="ko-KR" altLang="en-US" smtClean="0"/>
-              <a:t>2021-01-27</a:t>
+              <a:t>2021-01-28</a:t>
             </a:fld>
             <a:endParaRPr lang="ko-KR" altLang="en-US"/>
           </a:p>
@@ -1828,7 +1829,7 @@
           <a:p>
             <a:fld id="{F8F8E95E-22D1-41CF-B6CF-3B1BAD5C5290}" type="datetimeFigureOut">
               <a:rPr lang="ko-KR" altLang="en-US" smtClean="0"/>
-              <a:t>2021-01-27</a:t>
+              <a:t>2021-01-28</a:t>
             </a:fld>
             <a:endParaRPr lang="ko-KR" altLang="en-US"/>
           </a:p>
@@ -2105,7 +2106,7 @@
           <a:p>
             <a:fld id="{F8F8E95E-22D1-41CF-B6CF-3B1BAD5C5290}" type="datetimeFigureOut">
               <a:rPr lang="ko-KR" altLang="en-US" smtClean="0"/>
-              <a:t>2021-01-27</a:t>
+              <a:t>2021-01-28</a:t>
             </a:fld>
             <a:endParaRPr lang="ko-KR" altLang="en-US"/>
           </a:p>
@@ -2358,7 +2359,7 @@
           <a:p>
             <a:fld id="{F8F8E95E-22D1-41CF-B6CF-3B1BAD5C5290}" type="datetimeFigureOut">
               <a:rPr lang="ko-KR" altLang="en-US" smtClean="0"/>
-              <a:t>2021-01-27</a:t>
+              <a:t>2021-01-28</a:t>
             </a:fld>
             <a:endParaRPr lang="ko-KR" altLang="en-US"/>
           </a:p>
@@ -2571,7 +2572,7 @@
           <a:p>
             <a:fld id="{F8F8E95E-22D1-41CF-B6CF-3B1BAD5C5290}" type="datetimeFigureOut">
               <a:rPr lang="ko-KR" altLang="en-US" smtClean="0"/>
-              <a:t>2021-01-27</a:t>
+              <a:t>2021-01-28</a:t>
             </a:fld>
             <a:endParaRPr lang="ko-KR" altLang="en-US"/>
           </a:p>
@@ -3013,7 +3014,9 @@
         </p:nvSpPr>
         <p:spPr/>
         <p:txBody>
-          <a:bodyPr/>
+          <a:bodyPr>
+            <a:normAutofit lnSpcReduction="10000"/>
+          </a:bodyPr>
           <a:lstStyle/>
           <a:p>
             <a:pPr lvl="0">
@@ -3060,8 +3063,21 @@
               <a:t>Kim Dong </a:t>
             </a:r>
             <a:r>
-              <a:rPr lang="en-US" altLang="ko-KR" dirty="0" err="1"/>
+              <a:rPr lang="en-US" altLang="ko-KR" dirty="0" err="1" smtClean="0"/>
               <a:t>Wook</a:t>
+            </a:r>
+            <a:endParaRPr lang="en-US" altLang="ko-KR" dirty="0" smtClean="0"/>
+          </a:p>
+          <a:p>
+            <a:pPr lvl="0">
+              <a:buClr>
+                <a:schemeClr val="dk1"/>
+              </a:buClr>
+              <a:buSzPts val="2400"/>
+            </a:pPr>
+            <a:r>
+              <a:rPr lang="en-US" altLang="ko-KR" dirty="0"/>
+              <a:t>MICCAI 2015</a:t>
             </a:r>
             <a:endParaRPr lang="en-US" altLang="ko-KR" dirty="0"/>
           </a:p>
@@ -3317,6 +3333,13 @@
   <p:clrMapOvr>
     <a:masterClrMapping/>
   </p:clrMapOvr>
+  <p:timing>
+    <p:tnLst>
+      <p:par>
+        <p:cTn id="1" dur="indefinite" restart="never" nodeType="tmRoot"/>
+      </p:par>
+    </p:tnLst>
+  </p:timing>
 </p:sld>
 </file>
 
@@ -3498,6 +3521,13 @@
   <p:clrMapOvr>
     <a:masterClrMapping/>
   </p:clrMapOvr>
+  <p:timing>
+    <p:tnLst>
+      <p:par>
+        <p:cTn id="1" dur="indefinite" restart="never" nodeType="tmRoot"/>
+      </p:par>
+    </p:tnLst>
+  </p:timing>
 </p:sld>
 </file>
 
@@ -3618,6 +3648,13 @@
   <p:clrMapOvr>
     <a:masterClrMapping/>
   </p:clrMapOvr>
+  <p:timing>
+    <p:tnLst>
+      <p:par>
+        <p:cTn id="1" dur="indefinite" restart="never" nodeType="tmRoot"/>
+      </p:par>
+    </p:tnLst>
+  </p:timing>
 </p:sld>
 </file>
 
@@ -3718,6 +3755,13 @@
   <p:clrMapOvr>
     <a:masterClrMapping/>
   </p:clrMapOvr>
+  <p:timing>
+    <p:tnLst>
+      <p:par>
+        <p:cTn id="1" dur="indefinite" restart="never" nodeType="tmRoot"/>
+      </p:par>
+    </p:tnLst>
+  </p:timing>
 </p:sld>
 </file>
 
@@ -3797,6 +3841,13 @@
   <p:clrMapOvr>
     <a:masterClrMapping/>
   </p:clrMapOvr>
+  <p:timing>
+    <p:tnLst>
+      <p:par>
+        <p:cTn id="1" dur="indefinite" restart="never" nodeType="tmRoot"/>
+      </p:par>
+    </p:tnLst>
+  </p:timing>
 </p:sld>
 </file>
 
@@ -3832,7 +3883,15 @@
           <a:bodyPr/>
           <a:lstStyle/>
           <a:p>
-            <a:endParaRPr lang="ko-KR" altLang="en-US"/>
+            <a:r>
+              <a:rPr lang="en-US" altLang="ko-KR" dirty="0"/>
+              <a:t>Touching cells </a:t>
+            </a:r>
+            <a:r>
+              <a:rPr lang="en-US" altLang="ko-KR" dirty="0" smtClean="0"/>
+              <a:t>problem &amp; Training</a:t>
+            </a:r>
+            <a:endParaRPr lang="ko-KR" altLang="en-US" dirty="0"/>
           </a:p>
         </p:txBody>
       </p:sp>
@@ -3851,10 +3910,189 @@
           <a:bodyPr/>
           <a:lstStyle/>
           <a:p>
-            <a:endParaRPr lang="ko-KR" altLang="en-US"/>
-          </a:p>
-        </p:txBody>
-      </p:sp>
+            <a:r>
+              <a:rPr lang="ko-KR" altLang="en-US" dirty="0" err="1" smtClean="0"/>
+              <a:t>ㅇ</a:t>
+            </a:r>
+            <a:endParaRPr lang="ko-KR" altLang="en-US" dirty="0"/>
+          </a:p>
+        </p:txBody>
+      </p:sp>
+      <p:pic>
+        <p:nvPicPr>
+          <p:cNvPr id="4" name="그림 3"/>
+          <p:cNvPicPr>
+            <a:picLocks noChangeAspect="1"/>
+          </p:cNvPicPr>
+          <p:nvPr/>
+        </p:nvPicPr>
+        <p:blipFill>
+          <a:blip r:embed="rId2"/>
+          <a:stretch>
+            <a:fillRect/>
+          </a:stretch>
+        </p:blipFill>
+        <p:spPr>
+          <a:xfrm>
+            <a:off x="976112" y="4774343"/>
+            <a:ext cx="7206121" cy="1402620"/>
+          </a:xfrm>
+          <a:prstGeom prst="rect">
+            <a:avLst/>
+          </a:prstGeom>
+        </p:spPr>
+      </p:pic>
+      <p:pic>
+        <p:nvPicPr>
+          <p:cNvPr id="5" name="그림 4"/>
+          <p:cNvPicPr>
+            <a:picLocks noChangeAspect="1"/>
+          </p:cNvPicPr>
+          <p:nvPr/>
+        </p:nvPicPr>
+        <p:blipFill>
+          <a:blip r:embed="rId3"/>
+          <a:stretch>
+            <a:fillRect/>
+          </a:stretch>
+        </p:blipFill>
+        <p:spPr>
+          <a:xfrm>
+            <a:off x="838200" y="1825625"/>
+            <a:ext cx="6769257" cy="662523"/>
+          </a:xfrm>
+          <a:prstGeom prst="rect">
+            <a:avLst/>
+          </a:prstGeom>
+        </p:spPr>
+      </p:pic>
+      <p:pic>
+        <p:nvPicPr>
+          <p:cNvPr id="6" name="그림 5"/>
+          <p:cNvPicPr>
+            <a:picLocks noChangeAspect="1"/>
+          </p:cNvPicPr>
+          <p:nvPr/>
+        </p:nvPicPr>
+        <p:blipFill>
+          <a:blip r:embed="rId4"/>
+          <a:stretch>
+            <a:fillRect/>
+          </a:stretch>
+        </p:blipFill>
+        <p:spPr>
+          <a:xfrm>
+            <a:off x="1087763" y="3203853"/>
+            <a:ext cx="4572275" cy="1210727"/>
+          </a:xfrm>
+          <a:prstGeom prst="rect">
+            <a:avLst/>
+          </a:prstGeom>
+        </p:spPr>
+      </p:pic>
+    </p:spTree>
+    <p:extLst>
+      <p:ext uri="{BB962C8B-B14F-4D97-AF65-F5344CB8AC3E}">
+        <p14:creationId xmlns:p14="http://schemas.microsoft.com/office/powerpoint/2010/main" val="3378118647"/>
+      </p:ext>
+    </p:extLst>
+  </p:cSld>
+  <p:clrMapOvr>
+    <a:masterClrMapping/>
+  </p:clrMapOvr>
+</p:sld>
+</file>
+
+<file path=ppt/slides/slide9.xml><?xml version="1.0" encoding="utf-8"?>
+<p:sld xmlns:a="http://schemas.openxmlformats.org/drawingml/2006/main" xmlns:r="http://schemas.openxmlformats.org/officeDocument/2006/relationships" xmlns:p="http://schemas.openxmlformats.org/presentationml/2006/main">
+  <p:cSld>
+    <p:spTree>
+      <p:nvGrpSpPr>
+        <p:cNvPr id="1" name=""/>
+        <p:cNvGrpSpPr/>
+        <p:nvPr/>
+      </p:nvGrpSpPr>
+      <p:grpSpPr>
+        <a:xfrm>
+          <a:off x="0" y="0"/>
+          <a:ext cx="0" cy="0"/>
+          <a:chOff x="0" y="0"/>
+          <a:chExt cx="0" cy="0"/>
+        </a:xfrm>
+      </p:grpSpPr>
+      <p:sp>
+        <p:nvSpPr>
+          <p:cNvPr id="2" name="제목 1"/>
+          <p:cNvSpPr>
+            <a:spLocks noGrp="1"/>
+          </p:cNvSpPr>
+          <p:nvPr>
+            <p:ph type="title"/>
+          </p:nvPr>
+        </p:nvSpPr>
+        <p:spPr/>
+        <p:txBody>
+          <a:bodyPr/>
+          <a:lstStyle/>
+          <a:p>
+            <a:r>
+              <a:rPr lang="en-US" altLang="ko-KR" dirty="0" smtClean="0"/>
+              <a:t>Results</a:t>
+            </a:r>
+            <a:endParaRPr lang="ko-KR" altLang="en-US" dirty="0"/>
+          </a:p>
+        </p:txBody>
+      </p:sp>
+      <p:pic>
+        <p:nvPicPr>
+          <p:cNvPr id="4" name="내용 개체 틀 3"/>
+          <p:cNvPicPr>
+            <a:picLocks noGrp="1" noChangeAspect="1"/>
+          </p:cNvPicPr>
+          <p:nvPr>
+            <p:ph idx="1"/>
+          </p:nvPr>
+        </p:nvPicPr>
+        <p:blipFill>
+          <a:blip r:embed="rId2"/>
+          <a:stretch>
+            <a:fillRect/>
+          </a:stretch>
+        </p:blipFill>
+        <p:spPr>
+          <a:xfrm>
+            <a:off x="4445731" y="365125"/>
+            <a:ext cx="6564140" cy="3258687"/>
+          </a:xfrm>
+          <a:prstGeom prst="rect">
+            <a:avLst/>
+          </a:prstGeom>
+        </p:spPr>
+      </p:pic>
+      <p:pic>
+        <p:nvPicPr>
+          <p:cNvPr id="5" name="그림 4"/>
+          <p:cNvPicPr>
+            <a:picLocks noChangeAspect="1"/>
+          </p:cNvPicPr>
+          <p:nvPr/>
+        </p:nvPicPr>
+        <p:blipFill>
+          <a:blip r:embed="rId3"/>
+          <a:stretch>
+            <a:fillRect/>
+          </a:stretch>
+        </p:blipFill>
+        <p:spPr>
+          <a:xfrm>
+            <a:off x="4100384" y="4244803"/>
+            <a:ext cx="7772400" cy="2495550"/>
+          </a:xfrm>
+          <a:prstGeom prst="rect">
+            <a:avLst/>
+          </a:prstGeom>
+        </p:spPr>
+      </p:pic>
     </p:spTree>
     <p:extLst>
       <p:ext uri="{BB962C8B-B14F-4D97-AF65-F5344CB8AC3E}">
@@ -3865,6 +4103,13 @@
   <p:clrMapOvr>
     <a:masterClrMapping/>
   </p:clrMapOvr>
+  <p:timing>
+    <p:tnLst>
+      <p:par>
+        <p:cTn id="1" dur="indefinite" restart="never" nodeType="tmRoot"/>
+      </p:par>
+    </p:tnLst>
+  </p:timing>
 </p:sld>
 </file>
 

--- a/U-Net.pptx
+++ b/U-Net.pptx
@@ -251,7 +251,7 @@
           <a:p>
             <a:fld id="{F8F8E95E-22D1-41CF-B6CF-3B1BAD5C5290}" type="datetimeFigureOut">
               <a:rPr lang="ko-KR" altLang="en-US" smtClean="0"/>
-              <a:t>2021-01-28</a:t>
+              <a:t>2021-01-29</a:t>
             </a:fld>
             <a:endParaRPr lang="ko-KR" altLang="en-US"/>
           </a:p>
@@ -421,7 +421,7 @@
           <a:p>
             <a:fld id="{F8F8E95E-22D1-41CF-B6CF-3B1BAD5C5290}" type="datetimeFigureOut">
               <a:rPr lang="ko-KR" altLang="en-US" smtClean="0"/>
-              <a:t>2021-01-28</a:t>
+              <a:t>2021-01-29</a:t>
             </a:fld>
             <a:endParaRPr lang="ko-KR" altLang="en-US"/>
           </a:p>
@@ -601,7 +601,7 @@
           <a:p>
             <a:fld id="{F8F8E95E-22D1-41CF-B6CF-3B1BAD5C5290}" type="datetimeFigureOut">
               <a:rPr lang="ko-KR" altLang="en-US" smtClean="0"/>
-              <a:t>2021-01-28</a:t>
+              <a:t>2021-01-29</a:t>
             </a:fld>
             <a:endParaRPr lang="ko-KR" altLang="en-US"/>
           </a:p>
@@ -771,7 +771,7 @@
           <a:p>
             <a:fld id="{F8F8E95E-22D1-41CF-B6CF-3B1BAD5C5290}" type="datetimeFigureOut">
               <a:rPr lang="ko-KR" altLang="en-US" smtClean="0"/>
-              <a:t>2021-01-28</a:t>
+              <a:t>2021-01-29</a:t>
             </a:fld>
             <a:endParaRPr lang="ko-KR" altLang="en-US"/>
           </a:p>
@@ -1017,7 +1017,7 @@
           <a:p>
             <a:fld id="{F8F8E95E-22D1-41CF-B6CF-3B1BAD5C5290}" type="datetimeFigureOut">
               <a:rPr lang="ko-KR" altLang="en-US" smtClean="0"/>
-              <a:t>2021-01-28</a:t>
+              <a:t>2021-01-29</a:t>
             </a:fld>
             <a:endParaRPr lang="ko-KR" altLang="en-US"/>
           </a:p>
@@ -1249,7 +1249,7 @@
           <a:p>
             <a:fld id="{F8F8E95E-22D1-41CF-B6CF-3B1BAD5C5290}" type="datetimeFigureOut">
               <a:rPr lang="ko-KR" altLang="en-US" smtClean="0"/>
-              <a:t>2021-01-28</a:t>
+              <a:t>2021-01-29</a:t>
             </a:fld>
             <a:endParaRPr lang="ko-KR" altLang="en-US"/>
           </a:p>
@@ -1616,7 +1616,7 @@
           <a:p>
             <a:fld id="{F8F8E95E-22D1-41CF-B6CF-3B1BAD5C5290}" type="datetimeFigureOut">
               <a:rPr lang="ko-KR" altLang="en-US" smtClean="0"/>
-              <a:t>2021-01-28</a:t>
+              <a:t>2021-01-29</a:t>
             </a:fld>
             <a:endParaRPr lang="ko-KR" altLang="en-US"/>
           </a:p>
@@ -1734,7 +1734,7 @@
           <a:p>
             <a:fld id="{F8F8E95E-22D1-41CF-B6CF-3B1BAD5C5290}" type="datetimeFigureOut">
               <a:rPr lang="ko-KR" altLang="en-US" smtClean="0"/>
-              <a:t>2021-01-28</a:t>
+              <a:t>2021-01-29</a:t>
             </a:fld>
             <a:endParaRPr lang="ko-KR" altLang="en-US"/>
           </a:p>
@@ -1829,7 +1829,7 @@
           <a:p>
             <a:fld id="{F8F8E95E-22D1-41CF-B6CF-3B1BAD5C5290}" type="datetimeFigureOut">
               <a:rPr lang="ko-KR" altLang="en-US" smtClean="0"/>
-              <a:t>2021-01-28</a:t>
+              <a:t>2021-01-29</a:t>
             </a:fld>
             <a:endParaRPr lang="ko-KR" altLang="en-US"/>
           </a:p>
@@ -2106,7 +2106,7 @@
           <a:p>
             <a:fld id="{F8F8E95E-22D1-41CF-B6CF-3B1BAD5C5290}" type="datetimeFigureOut">
               <a:rPr lang="ko-KR" altLang="en-US" smtClean="0"/>
-              <a:t>2021-01-28</a:t>
+              <a:t>2021-01-29</a:t>
             </a:fld>
             <a:endParaRPr lang="ko-KR" altLang="en-US"/>
           </a:p>
@@ -2359,7 +2359,7 @@
           <a:p>
             <a:fld id="{F8F8E95E-22D1-41CF-B6CF-3B1BAD5C5290}" type="datetimeFigureOut">
               <a:rPr lang="ko-KR" altLang="en-US" smtClean="0"/>
-              <a:t>2021-01-28</a:t>
+              <a:t>2021-01-29</a:t>
             </a:fld>
             <a:endParaRPr lang="ko-KR" altLang="en-US"/>
           </a:p>
@@ -2572,7 +2572,7 @@
           <a:p>
             <a:fld id="{F8F8E95E-22D1-41CF-B6CF-3B1BAD5C5290}" type="datetimeFigureOut">
               <a:rPr lang="ko-KR" altLang="en-US" smtClean="0"/>
-              <a:t>2021-01-28</a:t>
+              <a:t>2021-01-29</a:t>
             </a:fld>
             <a:endParaRPr lang="ko-KR" altLang="en-US"/>
           </a:p>
@@ -3079,7 +3079,6 @@
               <a:rPr lang="en-US" altLang="ko-KR" dirty="0"/>
               <a:t>MICCAI 2015</a:t>
             </a:r>
-            <a:endParaRPr lang="en-US" altLang="ko-KR" dirty="0"/>
           </a:p>
           <a:p>
             <a:endParaRPr lang="ko-KR" altLang="en-US" dirty="0"/>
@@ -4000,6 +3999,13 @@
   <p:clrMapOvr>
     <a:masterClrMapping/>
   </p:clrMapOvr>
+  <p:timing>
+    <p:tnLst>
+      <p:par>
+        <p:cTn id="1" dur="indefinite" restart="never" nodeType="tmRoot"/>
+      </p:par>
+    </p:tnLst>
+  </p:timing>
 </p:sld>
 </file>
 
